--- a/Presentation_20191026_react3.pptx
+++ b/Presentation_20191026_react3.pptx
@@ -5,14 +5,16 @@
     <p:sldMasterId id="2147483660" r:id="rId1"/>
   </p:sldMasterIdLst>
   <p:notesMasterIdLst>
-    <p:notesMasterId r:id="rId7"/>
+    <p:notesMasterId r:id="rId9"/>
   </p:notesMasterIdLst>
   <p:sldIdLst>
     <p:sldId id="256" r:id="rId2"/>
     <p:sldId id="258" r:id="rId3"/>
     <p:sldId id="261" r:id="rId4"/>
-    <p:sldId id="264" r:id="rId5"/>
-    <p:sldId id="259" r:id="rId6"/>
+    <p:sldId id="265" r:id="rId5"/>
+    <p:sldId id="266" r:id="rId6"/>
+    <p:sldId id="264" r:id="rId7"/>
+    <p:sldId id="259" r:id="rId8"/>
   </p:sldIdLst>
   <p:sldSz cx="9144000" cy="6858000" type="screen4x3"/>
   <p:notesSz cx="6858000" cy="9144000"/>
@@ -3254,8 +3256,8 @@
           </a:prstGeom>
         </p:spPr>
         <p:txBody>
-          <a:bodyPr vert="horz" lIns="91440" tIns="45720" rIns="91440" bIns="45720" rtlCol="0">
-            <a:normAutofit/>
+          <a:bodyPr vert="horz" wrap="none" lIns="91440" tIns="45720" rIns="91440" bIns="45720" rtlCol="0">
+            <a:noAutofit/>
           </a:bodyPr>
           <a:lstStyle/>
           <a:p>
@@ -4253,7 +4255,7 @@
         </p:spPr>
         <p:txBody>
           <a:bodyPr>
-            <a:normAutofit fontScale="92500" lnSpcReduction="10000"/>
+            <a:noAutofit/>
           </a:bodyPr>
           <a:lstStyle/>
           <a:p>
@@ -4313,55 +4315,43 @@
               <a:rPr kumimoji="1" lang="en-US" altLang="ja-JP" baseline="0"/>
             </a:br>
             <a:r>
-              <a:rPr kumimoji="1" lang="en-US" altLang="ja-JP" baseline="0"/>
+              <a:rPr kumimoji="1" lang="en-US" altLang="ja-JP" sz="1800" baseline="0"/>
               <a:t>(</a:t>
             </a:r>
             <a:r>
-              <a:rPr kumimoji="1" lang="ja-JP" altLang="en-US" baseline="0"/>
+              <a:rPr kumimoji="1" lang="ja-JP" altLang="en-US" sz="1800" baseline="0"/>
               <a:t>参考サイト</a:t>
             </a:r>
             <a:r>
-              <a:rPr kumimoji="1" lang="en-US" altLang="ja-JP" baseline="0"/>
+              <a:rPr kumimoji="1" lang="en-US" altLang="ja-JP" sz="1800" baseline="0"/>
               <a:t>: </a:t>
             </a:r>
             <a:r>
-              <a:rPr kumimoji="1" lang="en-US" altLang="ja-JP" sz="2600" i="0" u="none" strike="noStrike" kern="1200">
+              <a:rPr kumimoji="1" lang="en-US" altLang="ja-JP" sz="1800" i="0" u="none" strike="noStrike" kern="1200">
                 <a:solidFill>
                   <a:schemeClr val="tx1"/>
                 </a:solidFill>
                 <a:effectLst/>
-                <a:latin typeface="+mn-lt"/>
-                <a:ea typeface="+mn-ea"/>
-                <a:cs typeface="+mn-cs"/>
                 <a:hlinkClick r:id="rId2"/>
               </a:rPr>
               <a:t>create-react-app</a:t>
             </a:r>
             <a:r>
-              <a:rPr kumimoji="1" lang="en-US" altLang="ja-JP" sz="2600" b="0" i="0" u="none" strike="noStrike" kern="1200">
+              <a:rPr kumimoji="1" lang="en-US" altLang="ja-JP" sz="1800" b="0" i="0" u="none" strike="noStrike" kern="1200">
                 <a:solidFill>
                   <a:schemeClr val="tx1"/>
                 </a:solidFill>
                 <a:effectLst/>
-                <a:latin typeface="+mn-lt"/>
-                <a:ea typeface="+mn-ea"/>
-                <a:cs typeface="+mn-cs"/>
                 <a:hlinkClick r:id="rId2"/>
               </a:rPr>
               <a:t>/v2.1.0</a:t>
             </a:r>
             <a:r>
-              <a:rPr kumimoji="1" lang="en-US" altLang="ja-JP" baseline="0"/>
+              <a:rPr kumimoji="1" lang="en-US" altLang="ja-JP" sz="1800" baseline="0"/>
               <a:t>)</a:t>
             </a:r>
             <a:br>
-              <a:rPr kumimoji="1" lang="en-US" altLang="ja-JP" baseline="0"/>
-            </a:br>
-            <a:br>
-              <a:rPr kumimoji="1" lang="en-US" altLang="ja-JP" baseline="0"/>
-            </a:br>
-            <a:br>
-              <a:rPr kumimoji="1" lang="en-US" altLang="ja-JP" baseline="0"/>
+              <a:rPr kumimoji="1" lang="en-US" altLang="ja-JP" sz="1800" baseline="0"/>
             </a:br>
             <a:br>
               <a:rPr kumimoji="1" lang="en-US" altLang="ja-JP" baseline="0"/>
@@ -4394,6 +4384,90 @@
               </a:rPr>
               <a:t> </a:t>
             </a:r>
+            <a:br>
+              <a:rPr kumimoji="1" lang="en-US" altLang="ja-JP" sz="2400" kern="1200">
+                <a:solidFill>
+                  <a:schemeClr val="tx1"/>
+                </a:solidFill>
+                <a:effectLst/>
+                <a:latin typeface="+mn-lt"/>
+                <a:ea typeface="+mn-ea"/>
+                <a:cs typeface="+mn-cs"/>
+              </a:rPr>
+            </a:br>
+            <a:r>
+              <a:rPr kumimoji="1" lang="en-US" altLang="ja-JP" sz="2400" kern="1200">
+                <a:solidFill>
+                  <a:schemeClr val="tx1"/>
+                </a:solidFill>
+                <a:effectLst/>
+                <a:latin typeface="+mn-lt"/>
+                <a:ea typeface="+mn-ea"/>
+                <a:cs typeface="+mn-cs"/>
+              </a:rPr>
+              <a:t>npm run eject</a:t>
+            </a:r>
+            <a:r>
+              <a:rPr kumimoji="1" lang="ja-JP" altLang="en-US" sz="2400" kern="1200">
+                <a:solidFill>
+                  <a:schemeClr val="tx1"/>
+                </a:solidFill>
+                <a:effectLst/>
+                <a:latin typeface="+mn-lt"/>
+                <a:ea typeface="+mn-ea"/>
+                <a:cs typeface="+mn-cs"/>
+              </a:rPr>
+              <a:t>が便利 </a:t>
+            </a:r>
+            <a:br>
+              <a:rPr lang="en-US" altLang="ja-JP" sz="2400"/>
+            </a:br>
+            <a:r>
+              <a:rPr lang="en-US" altLang="ja-JP" sz="1600"/>
+              <a:t>(</a:t>
+            </a:r>
+            <a:r>
+              <a:rPr lang="ja-JP" altLang="en-US" sz="1600"/>
+              <a:t>参考サイト</a:t>
+            </a:r>
+            <a:r>
+              <a:rPr lang="en-US" altLang="ja-JP" sz="1600"/>
+              <a:t>: </a:t>
+            </a:r>
+            <a:r>
+              <a:rPr lang="en-US" altLang="ja-JP" sz="1600">
+                <a:hlinkClick r:id="rId3"/>
+              </a:rPr>
+              <a:t>npm run eject </a:t>
+            </a:r>
+            <a:r>
+              <a:rPr lang="ja-JP" altLang="en-US" sz="1600">
+                <a:hlinkClick r:id="rId3"/>
+              </a:rPr>
+              <a:t>で </a:t>
+            </a:r>
+            <a:r>
+              <a:rPr lang="en-US" altLang="ja-JP" sz="1600">
+                <a:hlinkClick r:id="rId3"/>
+              </a:rPr>
+              <a:t>create-react-app </a:t>
+            </a:r>
+            <a:r>
+              <a:rPr lang="ja-JP" altLang="en-US" sz="1600">
+                <a:hlinkClick r:id="rId3"/>
+              </a:rPr>
+              <a:t>はアプリケーションの長寿を保証する</a:t>
+            </a:r>
+            <a:r>
+              <a:rPr lang="en-US" altLang="ja-JP" sz="1600"/>
+              <a:t>)</a:t>
+            </a:r>
+            <a:endParaRPr kumimoji="1" lang="en-US" altLang="ja-JP" sz="1600" kern="1200">
+              <a:solidFill>
+                <a:schemeClr val="tx1"/>
+              </a:solidFill>
+              <a:effectLst/>
+            </a:endParaRPr>
           </a:p>
         </p:txBody>
       </p:sp>
@@ -4692,7 +4766,7 @@
         </p:nvSpPr>
         <p:spPr>
           <a:xfrm>
-            <a:off x="1152273" y="3861532"/>
+            <a:off x="1152273" y="4361712"/>
             <a:ext cx="6517934" cy="1567264"/>
           </a:xfrm>
           <a:prstGeom prst="rect">
@@ -5047,7 +5121,7 @@
         </p:nvSpPr>
         <p:spPr>
           <a:xfrm>
-            <a:off x="1374888" y="5623746"/>
+            <a:off x="1374888" y="6123926"/>
             <a:ext cx="5249577" cy="488403"/>
           </a:xfrm>
           <a:prstGeom prst="wedgeRoundRectCallout">
@@ -5083,7 +5157,7 @@
             </a:r>
             <a:r>
               <a:rPr kumimoji="1" lang="ja-JP" altLang="en-US">
-                <a:hlinkClick r:id="rId3"/>
+                <a:hlinkClick r:id="rId4"/>
               </a:rPr>
               <a:t>コード</a:t>
             </a:r>
@@ -5124,12 +5198,42 @@
           <a:chExt cx="0" cy="0"/>
         </a:xfrm>
       </p:grpSpPr>
+      <p:pic>
+        <p:nvPicPr>
+          <p:cNvPr id="9" name="図 8">
+            <a:extLst>
+              <a:ext uri="{FF2B5EF4-FFF2-40B4-BE49-F238E27FC236}">
+                <a16:creationId xmlns:a16="http://schemas.microsoft.com/office/drawing/2014/main" id="{BA8242D5-4352-457A-B2FD-B8BD4E976C6C}"/>
+              </a:ext>
+            </a:extLst>
+          </p:cNvPr>
+          <p:cNvPicPr>
+            <a:picLocks noChangeAspect="1"/>
+          </p:cNvPicPr>
+          <p:nvPr/>
+        </p:nvPicPr>
+        <p:blipFill>
+          <a:blip r:embed="rId2"/>
+          <a:stretch>
+            <a:fillRect/>
+          </a:stretch>
+        </p:blipFill>
+        <p:spPr>
+          <a:xfrm>
+            <a:off x="1394557" y="1516185"/>
+            <a:ext cx="5959719" cy="5258858"/>
+          </a:xfrm>
+          <a:prstGeom prst="rect">
+            <a:avLst/>
+          </a:prstGeom>
+        </p:spPr>
+      </p:pic>
       <p:sp>
         <p:nvSpPr>
           <p:cNvPr id="2" name="タイトル 1">
             <a:extLst>
               <a:ext uri="{FF2B5EF4-FFF2-40B4-BE49-F238E27FC236}">
-                <a16:creationId xmlns:a16="http://schemas.microsoft.com/office/drawing/2014/main" id="{F9F2D671-8354-41A0-8502-315DAADBE912}"/>
+                <a16:creationId xmlns:a16="http://schemas.microsoft.com/office/drawing/2014/main" id="{DF31CD00-6F90-45F8-A374-DF108E02D5A4}"/>
               </a:ext>
             </a:extLst>
           </p:cNvPr>
@@ -5142,16 +5246,26 @@
         </p:nvSpPr>
         <p:spPr/>
         <p:txBody>
-          <a:bodyPr/>
-          <a:lstStyle/>
-          <a:p>
-            <a:r>
-              <a:rPr kumimoji="1" lang="en-US" altLang="ja-JP"/>
-              <a:t>3. </a:t>
-            </a:r>
-            <a:r>
-              <a:rPr kumimoji="1" lang="ja-JP" altLang="en-US"/>
-              <a:t>まとめ</a:t>
+          <a:bodyPr>
+            <a:normAutofit/>
+          </a:bodyPr>
+          <a:lstStyle/>
+          <a:p>
+            <a:r>
+              <a:rPr kumimoji="1" lang="en-US" altLang="ja-JP" sz="3600"/>
+              <a:t>2.1 eject</a:t>
+            </a:r>
+            <a:r>
+              <a:rPr kumimoji="1" lang="ja-JP" altLang="en-US" sz="3600"/>
+              <a:t>された</a:t>
+            </a:r>
+            <a:r>
+              <a:rPr kumimoji="1" lang="en-US" altLang="ja-JP" sz="3600"/>
+              <a:t> </a:t>
+            </a:r>
+            <a:r>
+              <a:rPr kumimoji="1" lang="ja-JP" altLang="en-US" sz="3600"/>
+              <a:t>コードを読んでみる</a:t>
             </a:r>
           </a:p>
         </p:txBody>
@@ -5161,7 +5275,7 @@
           <p:cNvPr id="3" name="コンテンツ プレースホルダー 2">
             <a:extLst>
               <a:ext uri="{FF2B5EF4-FFF2-40B4-BE49-F238E27FC236}">
-                <a16:creationId xmlns:a16="http://schemas.microsoft.com/office/drawing/2014/main" id="{78732AAD-A71F-4931-94CD-02BCBBE7BC55}"/>
+                <a16:creationId xmlns:a16="http://schemas.microsoft.com/office/drawing/2014/main" id="{DADBC5BD-4F47-4BB4-A996-95B38A4B7099}"/>
               </a:ext>
             </a:extLst>
           </p:cNvPr>
@@ -5172,103 +5286,44 @@
             <p:ph idx="1"/>
           </p:nvPr>
         </p:nvSpPr>
-        <p:spPr/>
+        <p:spPr>
+          <a:xfrm>
+            <a:off x="628650" y="1072946"/>
+            <a:ext cx="7886700" cy="599552"/>
+          </a:xfrm>
+        </p:spPr>
         <p:txBody>
           <a:bodyPr/>
           <a:lstStyle/>
           <a:p>
-            <a:endParaRPr kumimoji="1" lang="en-US" altLang="ja-JP"/>
-          </a:p>
-          <a:p>
+            <a:pPr marL="0" indent="0">
+              <a:buNone/>
+            </a:pPr>
+            <a:r>
+              <a:rPr kumimoji="1" lang="ja-JP" altLang="en-US"/>
+              <a:t>まず </a:t>
+            </a:r>
             <a:r>
               <a:rPr kumimoji="1" lang="en-US" altLang="ja-JP"/>
-              <a:t>Typescript</a:t>
+              <a:t>eject</a:t>
             </a:r>
             <a:r>
               <a:rPr kumimoji="1" lang="ja-JP" altLang="en-US"/>
-              <a:t>とは</a:t>
+              <a:t>前と後を</a:t>
+            </a:r>
+            <a:r>
+              <a:rPr kumimoji="1" lang="en-US" altLang="ja-JP"/>
+              <a:t>winmerge</a:t>
+            </a:r>
+            <a:r>
+              <a:rPr kumimoji="1" lang="ja-JP" altLang="en-US"/>
+              <a:t>で比較すると</a:t>
             </a:r>
             <a:r>
               <a:rPr kumimoji="1" lang="en-US" altLang="ja-JP"/>
               <a:t>...</a:t>
             </a:r>
-            <a:br>
-              <a:rPr lang="en-US" altLang="ja-JP"/>
-            </a:br>
-            <a:r>
-              <a:rPr kumimoji="1" lang="ja-JP" altLang="en-US"/>
-              <a:t>→</a:t>
-            </a:r>
-            <a:r>
-              <a:rPr kumimoji="1" lang="en-US" altLang="ja-JP"/>
-              <a:t>javascript</a:t>
-            </a:r>
-            <a:r>
-              <a:rPr kumimoji="1" lang="ja-JP" altLang="en-US"/>
-              <a:t>を拡張して型定義を実現した言語</a:t>
-            </a:r>
-            <a:br>
-              <a:rPr kumimoji="1" lang="en-US" altLang="ja-JP"/>
-            </a:br>
-            <a:endParaRPr lang="en-US" altLang="ja-JP"/>
-          </a:p>
-          <a:p>
-            <a:r>
-              <a:rPr kumimoji="1" lang="en-US" altLang="ja-JP"/>
-              <a:t>React</a:t>
-            </a:r>
-            <a:r>
-              <a:rPr kumimoji="1" lang="ja-JP" altLang="en-US"/>
-              <a:t>で</a:t>
-            </a:r>
-            <a:r>
-              <a:rPr kumimoji="1" lang="en-US" altLang="ja-JP"/>
-              <a:t>Typescript</a:t>
-            </a:r>
-            <a:r>
-              <a:rPr kumimoji="1" lang="ja-JP" altLang="en-US"/>
-              <a:t>を使うには</a:t>
-            </a:r>
-            <a:r>
-              <a:rPr kumimoji="1" lang="en-US" altLang="ja-JP"/>
-              <a:t>...</a:t>
-            </a:r>
-            <a:br>
-              <a:rPr lang="en-US" altLang="ja-JP"/>
-            </a:br>
-            <a:r>
-              <a:rPr kumimoji="1" lang="ja-JP" altLang="en-US"/>
-              <a:t>→①ソースコードを書き換える、</a:t>
-            </a:r>
-            <a:br>
-              <a:rPr kumimoji="1" lang="en-US" altLang="ja-JP"/>
-            </a:br>
-            <a:r>
-              <a:rPr kumimoji="1" lang="ja-JP" altLang="en-US"/>
-              <a:t>　②</a:t>
-            </a:r>
-            <a:r>
-              <a:rPr kumimoji="1" lang="en-US" altLang="ja-JP"/>
-              <a:t>Webpack</a:t>
-            </a:r>
-            <a:r>
-              <a:rPr kumimoji="1" lang="ja-JP" altLang="en-US"/>
-              <a:t>など設定をしておく</a:t>
-            </a:r>
-            <a:br>
-              <a:rPr kumimoji="1" lang="en-US" altLang="ja-JP"/>
-            </a:br>
-            <a:r>
-              <a:rPr kumimoji="1" lang="ja-JP" altLang="en-US"/>
-              <a:t>が必要</a:t>
-            </a:r>
-            <a:endParaRPr kumimoji="1" lang="en-US" altLang="ja-JP"/>
-          </a:p>
-          <a:p>
-            <a:pPr marL="0" indent="0">
-              <a:buNone/>
-            </a:pPr>
-            <a:endParaRPr kumimoji="1" lang="en-US" altLang="ja-JP"/>
+            <a:endParaRPr kumimoji="1" lang="ja-JP" altLang="en-US"/>
           </a:p>
         </p:txBody>
       </p:sp>
@@ -5277,7 +5332,7 @@
           <p:cNvPr id="4" name="スライド番号プレースホルダー 3">
             <a:extLst>
               <a:ext uri="{FF2B5EF4-FFF2-40B4-BE49-F238E27FC236}">
-                <a16:creationId xmlns:a16="http://schemas.microsoft.com/office/drawing/2014/main" id="{30CD0839-5752-4F06-837D-C58352E5849D}"/>
+                <a16:creationId xmlns:a16="http://schemas.microsoft.com/office/drawing/2014/main" id="{B8934F28-55E8-4EB1-8DE9-77EB15477DF9}"/>
               </a:ext>
             </a:extLst>
           </p:cNvPr>
@@ -5301,10 +5356,222 @@
           </a:p>
         </p:txBody>
       </p:sp>
+      <p:sp>
+        <p:nvSpPr>
+          <p:cNvPr id="7" name="吹き出し: 四角形 6">
+            <a:extLst>
+              <a:ext uri="{FF2B5EF4-FFF2-40B4-BE49-F238E27FC236}">
+                <a16:creationId xmlns:a16="http://schemas.microsoft.com/office/drawing/2014/main" id="{6DAA8C90-AD03-4D00-87A4-2E5342EC75A7}"/>
+              </a:ext>
+            </a:extLst>
+          </p:cNvPr>
+          <p:cNvSpPr/>
+          <p:nvPr/>
+        </p:nvSpPr>
+        <p:spPr>
+          <a:xfrm>
+            <a:off x="1563077" y="2582984"/>
+            <a:ext cx="1539630" cy="398586"/>
+          </a:xfrm>
+          <a:prstGeom prst="wedgeRectCallout">
+            <a:avLst/>
+          </a:prstGeom>
+        </p:spPr>
+        <p:style>
+          <a:lnRef idx="2">
+            <a:schemeClr val="dk1"/>
+          </a:lnRef>
+          <a:fillRef idx="1">
+            <a:schemeClr val="lt1"/>
+          </a:fillRef>
+          <a:effectRef idx="0">
+            <a:schemeClr val="dk1"/>
+          </a:effectRef>
+          <a:fontRef idx="minor">
+            <a:schemeClr val="dk1"/>
+          </a:fontRef>
+        </p:style>
+        <p:txBody>
+          <a:bodyPr rtlCol="0" anchor="ctr"/>
+          <a:lstStyle/>
+          <a:p>
+            <a:pPr algn="ctr"/>
+            <a:r>
+              <a:rPr kumimoji="1" lang="en-US" altLang="ja-JP"/>
+              <a:t>eject</a:t>
+            </a:r>
+            <a:r>
+              <a:rPr kumimoji="1" lang="ja-JP" altLang="en-US"/>
+              <a:t>前</a:t>
+            </a:r>
+          </a:p>
+        </p:txBody>
+      </p:sp>
+      <p:sp>
+        <p:nvSpPr>
+          <p:cNvPr id="8" name="吹き出し: 四角形 7">
+            <a:extLst>
+              <a:ext uri="{FF2B5EF4-FFF2-40B4-BE49-F238E27FC236}">
+                <a16:creationId xmlns:a16="http://schemas.microsoft.com/office/drawing/2014/main" id="{146FF3D5-229D-4AE8-A5C4-B5E23F479BD4}"/>
+              </a:ext>
+            </a:extLst>
+          </p:cNvPr>
+          <p:cNvSpPr/>
+          <p:nvPr/>
+        </p:nvSpPr>
+        <p:spPr>
+          <a:xfrm>
+            <a:off x="5427785" y="2582984"/>
+            <a:ext cx="1539630" cy="398586"/>
+          </a:xfrm>
+          <a:prstGeom prst="wedgeRectCallout">
+            <a:avLst/>
+          </a:prstGeom>
+        </p:spPr>
+        <p:style>
+          <a:lnRef idx="2">
+            <a:schemeClr val="dk1"/>
+          </a:lnRef>
+          <a:fillRef idx="1">
+            <a:schemeClr val="lt1"/>
+          </a:fillRef>
+          <a:effectRef idx="0">
+            <a:schemeClr val="dk1"/>
+          </a:effectRef>
+          <a:fontRef idx="minor">
+            <a:schemeClr val="dk1"/>
+          </a:fontRef>
+        </p:style>
+        <p:txBody>
+          <a:bodyPr rtlCol="0" anchor="ctr"/>
+          <a:lstStyle/>
+          <a:p>
+            <a:pPr algn="ctr"/>
+            <a:r>
+              <a:rPr kumimoji="1" lang="en-US" altLang="ja-JP"/>
+              <a:t>eject</a:t>
+            </a:r>
+            <a:r>
+              <a:rPr kumimoji="1" lang="ja-JP" altLang="en-US"/>
+              <a:t>後</a:t>
+            </a:r>
+          </a:p>
+        </p:txBody>
+      </p:sp>
+      <p:sp>
+        <p:nvSpPr>
+          <p:cNvPr id="10" name="吹き出し: 四角形 9">
+            <a:extLst>
+              <a:ext uri="{FF2B5EF4-FFF2-40B4-BE49-F238E27FC236}">
+                <a16:creationId xmlns:a16="http://schemas.microsoft.com/office/drawing/2014/main" id="{95C61C8B-073D-403E-95EE-052C273EB24D}"/>
+              </a:ext>
+            </a:extLst>
+          </p:cNvPr>
+          <p:cNvSpPr/>
+          <p:nvPr/>
+        </p:nvSpPr>
+        <p:spPr>
+          <a:xfrm>
+            <a:off x="3372339" y="3946321"/>
+            <a:ext cx="1539630" cy="398586"/>
+          </a:xfrm>
+          <a:prstGeom prst="wedgeRectCallout">
+            <a:avLst>
+              <a:gd name="adj1" fmla="val -106112"/>
+              <a:gd name="adj2" fmla="val 31128"/>
+            </a:avLst>
+          </a:prstGeom>
+        </p:spPr>
+        <p:style>
+          <a:lnRef idx="2">
+            <a:schemeClr val="accent2"/>
+          </a:lnRef>
+          <a:fillRef idx="1">
+            <a:schemeClr val="lt1"/>
+          </a:fillRef>
+          <a:effectRef idx="0">
+            <a:schemeClr val="accent2"/>
+          </a:effectRef>
+          <a:fontRef idx="minor">
+            <a:schemeClr val="dk1"/>
+          </a:fontRef>
+        </p:style>
+        <p:txBody>
+          <a:bodyPr rtlCol="0" anchor="ctr"/>
+          <a:lstStyle/>
+          <a:p>
+            <a:pPr algn="ctr"/>
+            <a:endParaRPr kumimoji="1" lang="ja-JP" altLang="en-US"/>
+          </a:p>
+        </p:txBody>
+      </p:sp>
+      <p:sp>
+        <p:nvSpPr>
+          <p:cNvPr id="11" name="吹き出し: 四角形 10">
+            <a:extLst>
+              <a:ext uri="{FF2B5EF4-FFF2-40B4-BE49-F238E27FC236}">
+                <a16:creationId xmlns:a16="http://schemas.microsoft.com/office/drawing/2014/main" id="{7F20A692-E3AD-44AC-BEA4-C3BECB179A8D}"/>
+              </a:ext>
+            </a:extLst>
+          </p:cNvPr>
+          <p:cNvSpPr/>
+          <p:nvPr/>
+        </p:nvSpPr>
+        <p:spPr>
+          <a:xfrm>
+            <a:off x="3266831" y="3946320"/>
+            <a:ext cx="1969477" cy="727279"/>
+          </a:xfrm>
+          <a:prstGeom prst="wedgeRectCallout">
+            <a:avLst>
+              <a:gd name="adj1" fmla="val -93984"/>
+              <a:gd name="adj2" fmla="val 90975"/>
+            </a:avLst>
+          </a:prstGeom>
+        </p:spPr>
+        <p:style>
+          <a:lnRef idx="2">
+            <a:schemeClr val="accent2"/>
+          </a:lnRef>
+          <a:fillRef idx="1">
+            <a:schemeClr val="lt1"/>
+          </a:fillRef>
+          <a:effectRef idx="0">
+            <a:schemeClr val="accent2"/>
+          </a:effectRef>
+          <a:fontRef idx="minor">
+            <a:schemeClr val="dk1"/>
+          </a:fontRef>
+        </p:style>
+        <p:txBody>
+          <a:bodyPr rtlCol="0" anchor="ctr"/>
+          <a:lstStyle/>
+          <a:p>
+            <a:pPr algn="ctr"/>
+            <a:r>
+              <a:rPr kumimoji="1" lang="ja-JP" altLang="en-US" sz="1600"/>
+              <a:t>この</a:t>
+            </a:r>
+            <a:r>
+              <a:rPr kumimoji="1" lang="en-US" altLang="ja-JP" sz="1600"/>
+              <a:t>2</a:t>
+            </a:r>
+            <a:r>
+              <a:rPr kumimoji="1" lang="ja-JP" altLang="en-US" sz="1600"/>
+              <a:t>つの新規追加フォルダが肝</a:t>
+            </a:r>
+            <a:r>
+              <a:rPr kumimoji="1" lang="en-US" altLang="ja-JP" sz="1600"/>
+              <a:t>!</a:t>
+            </a:r>
+            <a:endParaRPr kumimoji="1" lang="ja-JP" altLang="en-US"/>
+          </a:p>
+        </p:txBody>
+      </p:sp>
     </p:spTree>
     <p:extLst>
       <p:ext uri="{BB962C8B-B14F-4D97-AF65-F5344CB8AC3E}">
-        <p14:creationId xmlns:p14="http://schemas.microsoft.com/office/powerpoint/2010/main" val="2423149967"/>
+        <p14:creationId xmlns:p14="http://schemas.microsoft.com/office/powerpoint/2010/main" val="110876077"/>
       </p:ext>
     </p:extLst>
   </p:cSld>
@@ -5336,6 +5603,750 @@
           <p:cNvPr id="2" name="タイトル 1">
             <a:extLst>
               <a:ext uri="{FF2B5EF4-FFF2-40B4-BE49-F238E27FC236}">
+                <a16:creationId xmlns:a16="http://schemas.microsoft.com/office/drawing/2014/main" id="{00A84F27-6FD5-4283-A24E-4A6847BB285D}"/>
+              </a:ext>
+            </a:extLst>
+          </p:cNvPr>
+          <p:cNvSpPr>
+            <a:spLocks noGrp="1"/>
+          </p:cNvSpPr>
+          <p:nvPr>
+            <p:ph type="title"/>
+          </p:nvPr>
+        </p:nvSpPr>
+        <p:spPr/>
+        <p:txBody>
+          <a:bodyPr>
+            <a:noAutofit/>
+          </a:bodyPr>
+          <a:lstStyle/>
+          <a:p>
+            <a:r>
+              <a:rPr kumimoji="1" lang="en-US" altLang="ja-JP" sz="3600"/>
+              <a:t>3. </a:t>
+            </a:r>
+            <a:r>
+              <a:rPr kumimoji="1" lang="ja-JP" altLang="en-US" sz="3600"/>
+              <a:t>既存の</a:t>
+            </a:r>
+            <a:r>
+              <a:rPr kumimoji="1" lang="en-US" altLang="ja-JP" sz="3600"/>
+              <a:t>js</a:t>
+            </a:r>
+            <a:r>
+              <a:rPr kumimoji="1" lang="ja-JP" altLang="en-US" sz="3600"/>
+              <a:t>で作った</a:t>
+            </a:r>
+            <a:r>
+              <a:rPr kumimoji="1" lang="en-US" altLang="ja-JP" sz="3600"/>
+              <a:t>react app</a:t>
+            </a:r>
+            <a:r>
+              <a:rPr kumimoji="1" lang="ja-JP" altLang="en-US" sz="3600"/>
+              <a:t>の場合</a:t>
+            </a:r>
+          </a:p>
+        </p:txBody>
+      </p:sp>
+      <p:sp>
+        <p:nvSpPr>
+          <p:cNvPr id="3" name="コンテンツ プレースホルダー 2">
+            <a:extLst>
+              <a:ext uri="{FF2B5EF4-FFF2-40B4-BE49-F238E27FC236}">
+                <a16:creationId xmlns:a16="http://schemas.microsoft.com/office/drawing/2014/main" id="{7889632C-DFE9-4A6A-880D-879DC0F845ED}"/>
+              </a:ext>
+            </a:extLst>
+          </p:cNvPr>
+          <p:cNvSpPr>
+            <a:spLocks noGrp="1"/>
+          </p:cNvSpPr>
+          <p:nvPr>
+            <p:ph idx="1"/>
+          </p:nvPr>
+        </p:nvSpPr>
+        <p:spPr>
+          <a:xfrm>
+            <a:off x="628650" y="1205802"/>
+            <a:ext cx="7886700" cy="751873"/>
+          </a:xfrm>
+        </p:spPr>
+        <p:txBody>
+          <a:bodyPr>
+            <a:noAutofit/>
+          </a:bodyPr>
+          <a:lstStyle/>
+          <a:p>
+            <a:pPr marL="0" indent="0">
+              <a:buNone/>
+            </a:pPr>
+            <a:r>
+              <a:rPr kumimoji="1" lang="ja-JP" altLang="en-US" sz="2400"/>
+              <a:t>大枠を</a:t>
+            </a:r>
+            <a:r>
+              <a:rPr kumimoji="1" lang="en-US" altLang="ja-JP" sz="2400"/>
+              <a:t>creat-react-app</a:t>
+            </a:r>
+            <a:r>
+              <a:rPr kumimoji="1" lang="ja-JP" altLang="en-US" sz="2400"/>
+              <a:t>にて</a:t>
+            </a:r>
+            <a:r>
+              <a:rPr kumimoji="1" lang="en-US" altLang="ja-JP" sz="2400"/>
+              <a:t>typescript</a:t>
+            </a:r>
+            <a:r>
+              <a:rPr kumimoji="1" lang="ja-JP" altLang="en-US" sz="2400"/>
+              <a:t>用プロジェクトを作成し</a:t>
+            </a:r>
+            <a:br>
+              <a:rPr kumimoji="1" lang="en-US" altLang="ja-JP" sz="2400"/>
+            </a:br>
+            <a:r>
+              <a:rPr kumimoji="1" lang="ja-JP" altLang="en-US" sz="2400"/>
+              <a:t>移設するのが個人的にはおすすめ</a:t>
+            </a:r>
+          </a:p>
+        </p:txBody>
+      </p:sp>
+      <p:sp>
+        <p:nvSpPr>
+          <p:cNvPr id="4" name="スライド番号プレースホルダー 3">
+            <a:extLst>
+              <a:ext uri="{FF2B5EF4-FFF2-40B4-BE49-F238E27FC236}">
+                <a16:creationId xmlns:a16="http://schemas.microsoft.com/office/drawing/2014/main" id="{3744537E-E47A-4BDA-BD0B-CCB4C1D10B71}"/>
+              </a:ext>
+            </a:extLst>
+          </p:cNvPr>
+          <p:cNvSpPr>
+            <a:spLocks noGrp="1"/>
+          </p:cNvSpPr>
+          <p:nvPr>
+            <p:ph type="sldNum" sz="quarter" idx="12"/>
+          </p:nvPr>
+        </p:nvSpPr>
+        <p:spPr/>
+        <p:txBody>
+          <a:bodyPr/>
+          <a:lstStyle/>
+          <a:p>
+            <a:fld id="{DCB067A0-9F37-461C-9B87-B0FB0567D76E}" type="slidenum">
+              <a:rPr kumimoji="1" lang="ja-JP" altLang="en-US" smtClean="0"/>
+              <a:t>5</a:t>
+            </a:fld>
+            <a:endParaRPr kumimoji="1" lang="ja-JP" altLang="en-US"/>
+          </a:p>
+        </p:txBody>
+      </p:sp>
+      <p:pic>
+        <p:nvPicPr>
+          <p:cNvPr id="5" name="図 4">
+            <a:extLst>
+              <a:ext uri="{FF2B5EF4-FFF2-40B4-BE49-F238E27FC236}">
+                <a16:creationId xmlns:a16="http://schemas.microsoft.com/office/drawing/2014/main" id="{7E68D419-01F9-4DAF-8374-EAB9313885A8}"/>
+              </a:ext>
+            </a:extLst>
+          </p:cNvPr>
+          <p:cNvPicPr>
+            <a:picLocks noChangeAspect="1"/>
+          </p:cNvPicPr>
+          <p:nvPr/>
+        </p:nvPicPr>
+        <p:blipFill>
+          <a:blip r:embed="rId2"/>
+          <a:stretch>
+            <a:fillRect/>
+          </a:stretch>
+        </p:blipFill>
+        <p:spPr>
+          <a:xfrm>
+            <a:off x="4446180" y="2760397"/>
+            <a:ext cx="3166003" cy="3595954"/>
+          </a:xfrm>
+          <a:prstGeom prst="rect">
+            <a:avLst/>
+          </a:prstGeom>
+        </p:spPr>
+      </p:pic>
+      <p:pic>
+        <p:nvPicPr>
+          <p:cNvPr id="7" name="図 6">
+            <a:extLst>
+              <a:ext uri="{FF2B5EF4-FFF2-40B4-BE49-F238E27FC236}">
+                <a16:creationId xmlns:a16="http://schemas.microsoft.com/office/drawing/2014/main" id="{16FF4AD4-5E19-4B67-A576-251976CE27E3}"/>
+              </a:ext>
+            </a:extLst>
+          </p:cNvPr>
+          <p:cNvPicPr>
+            <a:picLocks noChangeAspect="1"/>
+          </p:cNvPicPr>
+          <p:nvPr/>
+        </p:nvPicPr>
+        <p:blipFill rotWithShape="1">
+          <a:blip r:embed="rId3"/>
+          <a:srcRect b="13941"/>
+          <a:stretch/>
+        </p:blipFill>
+        <p:spPr>
+          <a:xfrm>
+            <a:off x="1438583" y="3429000"/>
+            <a:ext cx="1276528" cy="1254330"/>
+          </a:xfrm>
+          <a:prstGeom prst="rect">
+            <a:avLst/>
+          </a:prstGeom>
+        </p:spPr>
+      </p:pic>
+      <p:sp>
+        <p:nvSpPr>
+          <p:cNvPr id="9" name="矢印: 下カーブ 8">
+            <a:extLst>
+              <a:ext uri="{FF2B5EF4-FFF2-40B4-BE49-F238E27FC236}">
+                <a16:creationId xmlns:a16="http://schemas.microsoft.com/office/drawing/2014/main" id="{AF7718D5-CF15-4EE3-AC6A-B2FC0C812890}"/>
+              </a:ext>
+            </a:extLst>
+          </p:cNvPr>
+          <p:cNvSpPr/>
+          <p:nvPr/>
+        </p:nvSpPr>
+        <p:spPr>
+          <a:xfrm rot="558704">
+            <a:off x="2295527" y="3752330"/>
+            <a:ext cx="2494972" cy="635267"/>
+          </a:xfrm>
+          <a:prstGeom prst="curvedDownArrow">
+            <a:avLst/>
+          </a:prstGeom>
+        </p:spPr>
+        <p:style>
+          <a:lnRef idx="2">
+            <a:schemeClr val="accent1">
+              <a:shade val="50000"/>
+            </a:schemeClr>
+          </a:lnRef>
+          <a:fillRef idx="1">
+            <a:schemeClr val="accent1"/>
+          </a:fillRef>
+          <a:effectRef idx="0">
+            <a:schemeClr val="accent1"/>
+          </a:effectRef>
+          <a:fontRef idx="minor">
+            <a:schemeClr val="lt1"/>
+          </a:fontRef>
+        </p:style>
+        <p:txBody>
+          <a:bodyPr rtlCol="0" anchor="ctr"/>
+          <a:lstStyle/>
+          <a:p>
+            <a:pPr algn="ctr"/>
+            <a:endParaRPr kumimoji="1" lang="ja-JP" altLang="en-US">
+              <a:solidFill>
+                <a:schemeClr val="tx1"/>
+              </a:solidFill>
+            </a:endParaRPr>
+          </a:p>
+        </p:txBody>
+      </p:sp>
+      <p:sp>
+        <p:nvSpPr>
+          <p:cNvPr id="10" name="テキスト ボックス 9">
+            <a:extLst>
+              <a:ext uri="{FF2B5EF4-FFF2-40B4-BE49-F238E27FC236}">
+                <a16:creationId xmlns:a16="http://schemas.microsoft.com/office/drawing/2014/main" id="{3BFC775E-0635-41A8-A98F-6899EBE7C12E}"/>
+              </a:ext>
+            </a:extLst>
+          </p:cNvPr>
+          <p:cNvSpPr txBox="1"/>
+          <p:nvPr/>
+        </p:nvSpPr>
+        <p:spPr>
+          <a:xfrm>
+            <a:off x="1241659" y="4716379"/>
+            <a:ext cx="2323778" cy="369332"/>
+          </a:xfrm>
+          <a:prstGeom prst="rect">
+            <a:avLst/>
+          </a:prstGeom>
+          <a:noFill/>
+        </p:spPr>
+        <p:txBody>
+          <a:bodyPr wrap="none" rtlCol="0">
+            <a:spAutoFit/>
+          </a:bodyPr>
+          <a:lstStyle/>
+          <a:p>
+            <a:r>
+              <a:rPr kumimoji="1" lang="ja-JP" altLang="en-US"/>
+              <a:t>既存コード</a:t>
+            </a:r>
+            <a:r>
+              <a:rPr kumimoji="1" lang="en-US" altLang="ja-JP"/>
+              <a:t>(js</a:t>
+            </a:r>
+            <a:r>
+              <a:rPr kumimoji="1" lang="ja-JP" altLang="en-US"/>
+              <a:t>ベース</a:t>
+            </a:r>
+            <a:r>
+              <a:rPr kumimoji="1" lang="en-US" altLang="ja-JP"/>
+              <a:t>)</a:t>
+            </a:r>
+            <a:endParaRPr kumimoji="1" lang="ja-JP" altLang="en-US"/>
+          </a:p>
+        </p:txBody>
+      </p:sp>
+      <p:sp>
+        <p:nvSpPr>
+          <p:cNvPr id="11" name="吹き出し: 四角形 10">
+            <a:extLst>
+              <a:ext uri="{FF2B5EF4-FFF2-40B4-BE49-F238E27FC236}">
+                <a16:creationId xmlns:a16="http://schemas.microsoft.com/office/drawing/2014/main" id="{F11506B1-7CA3-44C1-98D3-BB210EDA323F}"/>
+              </a:ext>
+            </a:extLst>
+          </p:cNvPr>
+          <p:cNvSpPr/>
+          <p:nvPr/>
+        </p:nvSpPr>
+        <p:spPr>
+          <a:xfrm>
+            <a:off x="6435526" y="3101963"/>
+            <a:ext cx="2057400" cy="1275382"/>
+          </a:xfrm>
+          <a:prstGeom prst="wedgeRectCallout">
+            <a:avLst>
+              <a:gd name="adj1" fmla="val -109024"/>
+              <a:gd name="adj2" fmla="val 63896"/>
+            </a:avLst>
+          </a:prstGeom>
+        </p:spPr>
+        <p:style>
+          <a:lnRef idx="2">
+            <a:schemeClr val="dk1"/>
+          </a:lnRef>
+          <a:fillRef idx="1">
+            <a:schemeClr val="lt1"/>
+          </a:fillRef>
+          <a:effectRef idx="0">
+            <a:schemeClr val="dk1"/>
+          </a:effectRef>
+          <a:fontRef idx="minor">
+            <a:schemeClr val="dk1"/>
+          </a:fontRef>
+        </p:style>
+        <p:txBody>
+          <a:bodyPr rtlCol="0" anchor="ctr"/>
+          <a:lstStyle/>
+          <a:p>
+            <a:pPr algn="ctr"/>
+            <a:r>
+              <a:rPr kumimoji="1" lang="ja-JP" altLang="en-US"/>
+              <a:t>②移設後は拡張子を</a:t>
+            </a:r>
+            <a:r>
+              <a:rPr kumimoji="1" lang="en-US" altLang="ja-JP"/>
+              <a:t>.ts</a:t>
+            </a:r>
+            <a:r>
+              <a:rPr kumimoji="1" lang="ja-JP" altLang="en-US"/>
+              <a:t>に変えて、</a:t>
+            </a:r>
+            <a:br>
+              <a:rPr kumimoji="1" lang="en-US" altLang="ja-JP"/>
+            </a:br>
+            <a:r>
+              <a:rPr kumimoji="1" lang="en-US" altLang="ja-JP"/>
+              <a:t>(tsconfig.json</a:t>
+            </a:r>
+            <a:r>
+              <a:rPr kumimoji="1" lang="ja-JP" altLang="en-US"/>
+              <a:t>は</a:t>
+            </a:r>
+            <a:br>
+              <a:rPr kumimoji="1" lang="en-US" altLang="ja-JP"/>
+            </a:br>
+            <a:r>
+              <a:rPr kumimoji="1" lang="ja-JP" altLang="en-US"/>
+              <a:t>緩めに設定</a:t>
+            </a:r>
+            <a:r>
+              <a:rPr kumimoji="1" lang="en-US" altLang="ja-JP"/>
+              <a:t>)</a:t>
+            </a:r>
+            <a:endParaRPr kumimoji="1" lang="ja-JP" altLang="en-US"/>
+          </a:p>
+        </p:txBody>
+      </p:sp>
+      <p:sp>
+        <p:nvSpPr>
+          <p:cNvPr id="12" name="吹き出し: 四角形 11">
+            <a:extLst>
+              <a:ext uri="{FF2B5EF4-FFF2-40B4-BE49-F238E27FC236}">
+                <a16:creationId xmlns:a16="http://schemas.microsoft.com/office/drawing/2014/main" id="{24526561-B365-4A72-AA24-BD4FC2EF437F}"/>
+              </a:ext>
+            </a:extLst>
+          </p:cNvPr>
+          <p:cNvSpPr/>
+          <p:nvPr/>
+        </p:nvSpPr>
+        <p:spPr>
+          <a:xfrm>
+            <a:off x="2491863" y="3196658"/>
+            <a:ext cx="1693593" cy="398586"/>
+          </a:xfrm>
+          <a:prstGeom prst="wedgeRectCallout">
+            <a:avLst>
+              <a:gd name="adj1" fmla="val -12706"/>
+              <a:gd name="adj2" fmla="val 91478"/>
+            </a:avLst>
+          </a:prstGeom>
+        </p:spPr>
+        <p:style>
+          <a:lnRef idx="2">
+            <a:schemeClr val="dk1"/>
+          </a:lnRef>
+          <a:fillRef idx="1">
+            <a:schemeClr val="lt1"/>
+          </a:fillRef>
+          <a:effectRef idx="0">
+            <a:schemeClr val="dk1"/>
+          </a:effectRef>
+          <a:fontRef idx="minor">
+            <a:schemeClr val="dk1"/>
+          </a:fontRef>
+        </p:style>
+        <p:txBody>
+          <a:bodyPr rtlCol="0" anchor="ctr"/>
+          <a:lstStyle/>
+          <a:p>
+            <a:pPr algn="ctr"/>
+            <a:r>
+              <a:rPr kumimoji="1" lang="ja-JP" altLang="en-US"/>
+              <a:t>①コード移設</a:t>
+            </a:r>
+          </a:p>
+        </p:txBody>
+      </p:sp>
+      <p:sp>
+        <p:nvSpPr>
+          <p:cNvPr id="13" name="吹き出し: 四角形 12">
+            <a:extLst>
+              <a:ext uri="{FF2B5EF4-FFF2-40B4-BE49-F238E27FC236}">
+                <a16:creationId xmlns:a16="http://schemas.microsoft.com/office/drawing/2014/main" id="{97D48002-B23C-40DC-894A-42055230A103}"/>
+              </a:ext>
+            </a:extLst>
+          </p:cNvPr>
+          <p:cNvSpPr/>
+          <p:nvPr/>
+        </p:nvSpPr>
+        <p:spPr>
+          <a:xfrm>
+            <a:off x="6435526" y="4622359"/>
+            <a:ext cx="2310665" cy="926704"/>
+          </a:xfrm>
+          <a:prstGeom prst="wedgeRectCallout">
+            <a:avLst>
+              <a:gd name="adj1" fmla="val -38626"/>
+              <a:gd name="adj2" fmla="val -89825"/>
+            </a:avLst>
+          </a:prstGeom>
+        </p:spPr>
+        <p:style>
+          <a:lnRef idx="2">
+            <a:schemeClr val="dk1"/>
+          </a:lnRef>
+          <a:fillRef idx="1">
+            <a:schemeClr val="lt1"/>
+          </a:fillRef>
+          <a:effectRef idx="0">
+            <a:schemeClr val="dk1"/>
+          </a:effectRef>
+          <a:fontRef idx="minor">
+            <a:schemeClr val="dk1"/>
+          </a:fontRef>
+        </p:style>
+        <p:txBody>
+          <a:bodyPr rtlCol="0" anchor="ctr"/>
+          <a:lstStyle/>
+          <a:p>
+            <a:pPr algn="ctr"/>
+            <a:r>
+              <a:rPr kumimoji="1" lang="ja-JP" altLang="en-US"/>
+              <a:t>③</a:t>
+            </a:r>
+            <a:r>
+              <a:rPr kumimoji="1" lang="en-US" altLang="ja-JP"/>
+              <a:t>.ts</a:t>
+            </a:r>
+            <a:r>
+              <a:rPr kumimoji="1" lang="ja-JP" altLang="en-US"/>
+              <a:t>ファイル内を</a:t>
+            </a:r>
+            <a:br>
+              <a:rPr kumimoji="1" lang="en-US" altLang="ja-JP"/>
+            </a:br>
+            <a:r>
+              <a:rPr kumimoji="1" lang="ja-JP" altLang="en-US"/>
+              <a:t>型定義など順次</a:t>
+            </a:r>
+            <a:r>
+              <a:rPr kumimoji="1" lang="en-US" altLang="ja-JP"/>
+              <a:t>typescript</a:t>
+            </a:r>
+            <a:r>
+              <a:rPr kumimoji="1" lang="ja-JP" altLang="en-US"/>
+              <a:t>化してゆく</a:t>
+            </a:r>
+          </a:p>
+        </p:txBody>
+      </p:sp>
+    </p:spTree>
+    <p:extLst>
+      <p:ext uri="{BB962C8B-B14F-4D97-AF65-F5344CB8AC3E}">
+        <p14:creationId xmlns:p14="http://schemas.microsoft.com/office/powerpoint/2010/main" val="3238698442"/>
+      </p:ext>
+    </p:extLst>
+  </p:cSld>
+  <p:clrMapOvr>
+    <a:masterClrMapping/>
+  </p:clrMapOvr>
+</p:sld>
+</file>
+
+<file path=ppt/slides/slide6.xml><?xml version="1.0" encoding="utf-8"?>
+<p:sld xmlns:a="http://schemas.openxmlformats.org/drawingml/2006/main" xmlns:r="http://schemas.openxmlformats.org/officeDocument/2006/relationships" xmlns:p="http://schemas.openxmlformats.org/presentationml/2006/main">
+  <p:cSld>
+    <p:spTree>
+      <p:nvGrpSpPr>
+        <p:cNvPr id="1" name=""/>
+        <p:cNvGrpSpPr/>
+        <p:nvPr/>
+      </p:nvGrpSpPr>
+      <p:grpSpPr>
+        <a:xfrm>
+          <a:off x="0" y="0"/>
+          <a:ext cx="0" cy="0"/>
+          <a:chOff x="0" y="0"/>
+          <a:chExt cx="0" cy="0"/>
+        </a:xfrm>
+      </p:grpSpPr>
+      <p:sp>
+        <p:nvSpPr>
+          <p:cNvPr id="2" name="タイトル 1">
+            <a:extLst>
+              <a:ext uri="{FF2B5EF4-FFF2-40B4-BE49-F238E27FC236}">
+                <a16:creationId xmlns:a16="http://schemas.microsoft.com/office/drawing/2014/main" id="{F9F2D671-8354-41A0-8502-315DAADBE912}"/>
+              </a:ext>
+            </a:extLst>
+          </p:cNvPr>
+          <p:cNvSpPr>
+            <a:spLocks noGrp="1"/>
+          </p:cNvSpPr>
+          <p:nvPr>
+            <p:ph type="title"/>
+          </p:nvPr>
+        </p:nvSpPr>
+        <p:spPr/>
+        <p:txBody>
+          <a:bodyPr/>
+          <a:lstStyle/>
+          <a:p>
+            <a:r>
+              <a:rPr kumimoji="1" lang="en-US" altLang="ja-JP"/>
+              <a:t>4. </a:t>
+            </a:r>
+            <a:r>
+              <a:rPr kumimoji="1" lang="ja-JP" altLang="en-US"/>
+              <a:t>まとめ</a:t>
+            </a:r>
+          </a:p>
+        </p:txBody>
+      </p:sp>
+      <p:sp>
+        <p:nvSpPr>
+          <p:cNvPr id="3" name="コンテンツ プレースホルダー 2">
+            <a:extLst>
+              <a:ext uri="{FF2B5EF4-FFF2-40B4-BE49-F238E27FC236}">
+                <a16:creationId xmlns:a16="http://schemas.microsoft.com/office/drawing/2014/main" id="{78732AAD-A71F-4931-94CD-02BCBBE7BC55}"/>
+              </a:ext>
+            </a:extLst>
+          </p:cNvPr>
+          <p:cNvSpPr>
+            <a:spLocks noGrp="1"/>
+          </p:cNvSpPr>
+          <p:nvPr>
+            <p:ph idx="1"/>
+          </p:nvPr>
+        </p:nvSpPr>
+        <p:spPr/>
+        <p:txBody>
+          <a:bodyPr/>
+          <a:lstStyle/>
+          <a:p>
+            <a:endParaRPr kumimoji="1" lang="en-US" altLang="ja-JP"/>
+          </a:p>
+          <a:p>
+            <a:r>
+              <a:rPr kumimoji="1" lang="en-US" altLang="ja-JP"/>
+              <a:t>Typescript</a:t>
+            </a:r>
+            <a:r>
+              <a:rPr kumimoji="1" lang="ja-JP" altLang="en-US"/>
+              <a:t>とは</a:t>
+            </a:r>
+            <a:r>
+              <a:rPr kumimoji="1" lang="en-US" altLang="ja-JP"/>
+              <a:t>...</a:t>
+            </a:r>
+            <a:br>
+              <a:rPr lang="en-US" altLang="ja-JP"/>
+            </a:br>
+            <a:r>
+              <a:rPr kumimoji="1" lang="ja-JP" altLang="en-US"/>
+              <a:t>→</a:t>
+            </a:r>
+            <a:r>
+              <a:rPr kumimoji="1" lang="en-US" altLang="ja-JP"/>
+              <a:t>javascript</a:t>
+            </a:r>
+            <a:r>
+              <a:rPr kumimoji="1" lang="ja-JP" altLang="en-US"/>
+              <a:t>を拡張して型定義を実現した言語</a:t>
+            </a:r>
+            <a:br>
+              <a:rPr kumimoji="1" lang="en-US" altLang="ja-JP"/>
+            </a:br>
+            <a:endParaRPr lang="en-US" altLang="ja-JP"/>
+          </a:p>
+          <a:p>
+            <a:r>
+              <a:rPr kumimoji="1" lang="en-US" altLang="ja-JP"/>
+              <a:t>React</a:t>
+            </a:r>
+            <a:r>
+              <a:rPr kumimoji="1" lang="ja-JP" altLang="en-US"/>
+              <a:t>で</a:t>
+            </a:r>
+            <a:r>
+              <a:rPr kumimoji="1" lang="en-US" altLang="ja-JP"/>
+              <a:t>Typescript</a:t>
+            </a:r>
+            <a:r>
+              <a:rPr kumimoji="1" lang="ja-JP" altLang="en-US"/>
+              <a:t>を使うには</a:t>
+            </a:r>
+            <a:r>
+              <a:rPr kumimoji="1" lang="en-US" altLang="ja-JP"/>
+              <a:t>...</a:t>
+            </a:r>
+            <a:br>
+              <a:rPr lang="en-US" altLang="ja-JP"/>
+            </a:br>
+            <a:r>
+              <a:rPr kumimoji="1" lang="ja-JP" altLang="en-US"/>
+              <a:t>→</a:t>
+            </a:r>
+            <a:r>
+              <a:rPr kumimoji="1" lang="en-US" altLang="ja-JP"/>
+              <a:t>create-react-app</a:t>
+            </a:r>
+            <a:r>
+              <a:rPr kumimoji="1" lang="ja-JP" altLang="en-US"/>
+              <a:t>のオプション機能活用が便利</a:t>
+            </a:r>
+            <a:br>
+              <a:rPr kumimoji="1" lang="en-US" altLang="ja-JP"/>
+            </a:br>
+            <a:r>
+              <a:rPr kumimoji="1" lang="en-US" altLang="ja-JP"/>
+              <a:t> (--typescript, </a:t>
+            </a:r>
+            <a:r>
+              <a:rPr kumimoji="1" lang="en-US" altLang="ja-JP" baseline="0"/>
+              <a:t>npm run eject)</a:t>
+            </a:r>
+            <a:br>
+              <a:rPr kumimoji="1" lang="en-US" altLang="ja-JP" baseline="0"/>
+            </a:br>
+            <a:r>
+              <a:rPr kumimoji="1" lang="ja-JP" altLang="en-US" baseline="0"/>
+              <a:t>→既存の</a:t>
+            </a:r>
+            <a:r>
+              <a:rPr kumimoji="1" lang="en-US" altLang="ja-JP" baseline="0"/>
+              <a:t>javascript</a:t>
+            </a:r>
+            <a:r>
+              <a:rPr kumimoji="1" lang="ja-JP" altLang="en-US" baseline="0"/>
+              <a:t>のソースコードがある場合</a:t>
+            </a:r>
+            <a:endParaRPr kumimoji="1" lang="en-US" altLang="ja-JP" baseline="0"/>
+          </a:p>
+        </p:txBody>
+      </p:sp>
+      <p:sp>
+        <p:nvSpPr>
+          <p:cNvPr id="4" name="スライド番号プレースホルダー 3">
+            <a:extLst>
+              <a:ext uri="{FF2B5EF4-FFF2-40B4-BE49-F238E27FC236}">
+                <a16:creationId xmlns:a16="http://schemas.microsoft.com/office/drawing/2014/main" id="{30CD0839-5752-4F06-837D-C58352E5849D}"/>
+              </a:ext>
+            </a:extLst>
+          </p:cNvPr>
+          <p:cNvSpPr>
+            <a:spLocks noGrp="1"/>
+          </p:cNvSpPr>
+          <p:nvPr>
+            <p:ph type="sldNum" sz="quarter" idx="12"/>
+          </p:nvPr>
+        </p:nvSpPr>
+        <p:spPr/>
+        <p:txBody>
+          <a:bodyPr/>
+          <a:lstStyle/>
+          <a:p>
+            <a:fld id="{DCB067A0-9F37-461C-9B87-B0FB0567D76E}" type="slidenum">
+              <a:rPr kumimoji="1" lang="ja-JP" altLang="en-US" smtClean="0"/>
+              <a:t>6</a:t>
+            </a:fld>
+            <a:endParaRPr kumimoji="1" lang="ja-JP" altLang="en-US"/>
+          </a:p>
+        </p:txBody>
+      </p:sp>
+    </p:spTree>
+    <p:extLst>
+      <p:ext uri="{BB962C8B-B14F-4D97-AF65-F5344CB8AC3E}">
+        <p14:creationId xmlns:p14="http://schemas.microsoft.com/office/powerpoint/2010/main" val="2423149967"/>
+      </p:ext>
+    </p:extLst>
+  </p:cSld>
+  <p:clrMapOvr>
+    <a:masterClrMapping/>
+  </p:clrMapOvr>
+</p:sld>
+</file>
+
+<file path=ppt/slides/slide7.xml><?xml version="1.0" encoding="utf-8"?>
+<p:sld xmlns:a="http://schemas.openxmlformats.org/drawingml/2006/main" xmlns:r="http://schemas.openxmlformats.org/officeDocument/2006/relationships" xmlns:p="http://schemas.openxmlformats.org/presentationml/2006/main">
+  <p:cSld>
+    <p:spTree>
+      <p:nvGrpSpPr>
+        <p:cNvPr id="1" name=""/>
+        <p:cNvGrpSpPr/>
+        <p:nvPr/>
+      </p:nvGrpSpPr>
+      <p:grpSpPr>
+        <a:xfrm>
+          <a:off x="0" y="0"/>
+          <a:ext cx="0" cy="0"/>
+          <a:chOff x="0" y="0"/>
+          <a:chExt cx="0" cy="0"/>
+        </a:xfrm>
+      </p:grpSpPr>
+      <p:sp>
+        <p:nvSpPr>
+          <p:cNvPr id="2" name="タイトル 1">
+            <a:extLst>
+              <a:ext uri="{FF2B5EF4-FFF2-40B4-BE49-F238E27FC236}">
                 <a16:creationId xmlns:a16="http://schemas.microsoft.com/office/drawing/2014/main" id="{B9A7F363-EB37-49EA-99FB-74F66F90DF03}"/>
               </a:ext>
             </a:extLst>
@@ -5349,14 +6360,19 @@
         </p:nvSpPr>
         <p:spPr/>
         <p:txBody>
-          <a:bodyPr/>
+          <a:bodyPr>
+            <a:normAutofit fontScale="90000"/>
+          </a:bodyPr>
           <a:lstStyle/>
           <a:p>
             <a:r>
               <a:rPr kumimoji="1" lang="en-US" altLang="ja-JP"/>
-              <a:t>Appendix)</a:t>
-            </a:r>
-            <a:endParaRPr kumimoji="1" lang="ja-JP" altLang="en-US"/>
+              <a:t>Appendix) vscode</a:t>
+            </a:r>
+            <a:r>
+              <a:rPr kumimoji="1" lang="ja-JP" altLang="en-US"/>
+              <a:t>向けの設定方法</a:t>
+            </a:r>
           </a:p>
         </p:txBody>
       </p:sp>
@@ -5378,10 +6394,249 @@
         </p:nvSpPr>
         <p:spPr/>
         <p:txBody>
-          <a:bodyPr/>
-          <a:lstStyle/>
-          <a:p>
-            <a:endParaRPr kumimoji="1" lang="ja-JP" altLang="en-US"/>
+          <a:bodyPr>
+            <a:normAutofit/>
+          </a:bodyPr>
+          <a:lstStyle/>
+          <a:p>
+            <a:pPr marL="0" indent="0">
+              <a:buNone/>
+            </a:pPr>
+            <a:r>
+              <a:rPr lang="en-US" altLang="ja-JP" sz="2400"/>
+              <a:t>visual studio code(</a:t>
+            </a:r>
+            <a:r>
+              <a:rPr lang="ja-JP" altLang="en-US" sz="2400"/>
+              <a:t>以降</a:t>
+            </a:r>
+            <a:r>
+              <a:rPr lang="en-US" altLang="ja-JP" sz="2400"/>
+              <a:t>vscode)</a:t>
+            </a:r>
+            <a:r>
+              <a:rPr lang="ja-JP" altLang="en-US" sz="2400"/>
+              <a:t>向けに設定をする場合は</a:t>
+            </a:r>
+            <a:br>
+              <a:rPr lang="en-US" altLang="ja-JP" sz="2400"/>
+            </a:br>
+            <a:r>
+              <a:rPr lang="ja-JP" altLang="en-US" sz="2400"/>
+              <a:t>下記ファイル追加が必要</a:t>
+            </a:r>
+            <a:br>
+              <a:rPr lang="en-US" altLang="ja-JP" sz="2400"/>
+            </a:br>
+            <a:br>
+              <a:rPr lang="en-US" altLang="ja-JP" sz="2400"/>
+            </a:br>
+            <a:r>
+              <a:rPr lang="en-US" altLang="ja-JP" sz="1800">
+                <a:latin typeface="Consolas" panose="020B0609020204030204" pitchFamily="49" charset="0"/>
+              </a:rPr>
+              <a:t>&lt;create-react-app</a:t>
+            </a:r>
+            <a:r>
+              <a:rPr lang="ja-JP" altLang="en-US" sz="1800">
+                <a:latin typeface="Consolas" panose="020B0609020204030204" pitchFamily="49" charset="0"/>
+              </a:rPr>
+              <a:t>で作成したプロジェクト</a:t>
+            </a:r>
+            <a:r>
+              <a:rPr lang="en-US" altLang="ja-JP" sz="1800">
+                <a:latin typeface="Consolas" panose="020B0609020204030204" pitchFamily="49" charset="0"/>
+              </a:rPr>
+              <a:t>root&gt;</a:t>
+            </a:r>
+            <a:br>
+              <a:rPr lang="en-US" altLang="ja-JP" sz="1800">
+                <a:latin typeface="Consolas" panose="020B0609020204030204" pitchFamily="49" charset="0"/>
+              </a:rPr>
+            </a:br>
+            <a:r>
+              <a:rPr lang="ja-JP" altLang="en-US" sz="1800">
+                <a:latin typeface="Consolas" panose="020B0609020204030204" pitchFamily="49" charset="0"/>
+              </a:rPr>
+              <a:t> ├─</a:t>
+            </a:r>
+            <a:r>
+              <a:rPr lang="en-US" altLang="ja-JP" sz="1800">
+                <a:latin typeface="Consolas" panose="020B0609020204030204" pitchFamily="49" charset="0"/>
+              </a:rPr>
+              <a:t>.env # </a:t>
+            </a:r>
+            <a:r>
+              <a:rPr lang="ja-JP" altLang="en-US" sz="1800">
+                <a:latin typeface="Consolas" panose="020B0609020204030204" pitchFamily="49" charset="0"/>
+              </a:rPr>
+              <a:t>環境変数</a:t>
+            </a:r>
+            <a:r>
+              <a:rPr lang="en-US" altLang="ja-JP" sz="1800">
+                <a:latin typeface="Consolas" panose="020B0609020204030204" pitchFamily="49" charset="0"/>
+              </a:rPr>
+              <a:t>(G</a:t>
+            </a:r>
+            <a:r>
+              <a:rPr lang="en-US" altLang="ja-JP" sz="1800"/>
+              <a:t>ENERATE_SOURCEMAP</a:t>
+            </a:r>
+            <a:r>
+              <a:rPr lang="en-US" altLang="ja-JP" sz="1800">
+                <a:latin typeface="Consolas" panose="020B0609020204030204" pitchFamily="49" charset="0"/>
+              </a:rPr>
+              <a:t>)</a:t>
+            </a:r>
+            <a:r>
+              <a:rPr lang="ja-JP" altLang="en-US" sz="1800">
+                <a:latin typeface="Consolas" panose="020B0609020204030204" pitchFamily="49" charset="0"/>
+              </a:rPr>
+              <a:t>の設定に必要</a:t>
+            </a:r>
+            <a:endParaRPr lang="en-US" altLang="ja-JP" sz="1800">
+              <a:latin typeface="Consolas" panose="020B0609020204030204" pitchFamily="49" charset="0"/>
+            </a:endParaRPr>
+          </a:p>
+          <a:p>
+            <a:pPr marL="0" indent="0">
+              <a:buNone/>
+            </a:pPr>
+            <a:r>
+              <a:rPr lang="ja-JP" altLang="en-US" sz="1800">
+                <a:latin typeface="Consolas" panose="020B0609020204030204" pitchFamily="49" charset="0"/>
+              </a:rPr>
+              <a:t> └─</a:t>
+            </a:r>
+            <a:r>
+              <a:rPr lang="en-US" altLang="ja-JP" sz="1800">
+                <a:latin typeface="Consolas" panose="020B0609020204030204" pitchFamily="49" charset="0"/>
+              </a:rPr>
+              <a:t>.vscode</a:t>
+            </a:r>
+            <a:br>
+              <a:rPr lang="en-US" altLang="ja-JP" sz="1800">
+                <a:latin typeface="Consolas" panose="020B0609020204030204" pitchFamily="49" charset="0"/>
+              </a:rPr>
+            </a:br>
+            <a:r>
+              <a:rPr lang="en-US" altLang="ja-JP" sz="1800">
+                <a:latin typeface="Consolas" panose="020B0609020204030204" pitchFamily="49" charset="0"/>
+              </a:rPr>
+              <a:t>    </a:t>
+            </a:r>
+            <a:r>
+              <a:rPr lang="ja-JP" altLang="en-US" sz="1800">
+                <a:latin typeface="Consolas" panose="020B0609020204030204" pitchFamily="49" charset="0"/>
+              </a:rPr>
+              <a:t>├── </a:t>
+            </a:r>
+            <a:r>
+              <a:rPr lang="en-US" altLang="ja-JP" sz="1800">
+                <a:latin typeface="Consolas" panose="020B0609020204030204" pitchFamily="49" charset="0"/>
+              </a:rPr>
+              <a:t>launch.json # </a:t>
+            </a:r>
+            <a:r>
+              <a:rPr lang="ja-JP" altLang="en-US" sz="1800">
+                <a:latin typeface="Consolas" panose="020B0609020204030204" pitchFamily="49" charset="0"/>
+              </a:rPr>
+              <a:t>デバッグ起動に必要</a:t>
+            </a:r>
+            <a:endParaRPr lang="en-US" altLang="ja-JP" sz="1800">
+              <a:latin typeface="Consolas" panose="020B0609020204030204" pitchFamily="49" charset="0"/>
+            </a:endParaRPr>
+          </a:p>
+          <a:p>
+            <a:pPr marL="0" indent="0">
+              <a:buNone/>
+            </a:pPr>
+            <a:r>
+              <a:rPr lang="en-US" altLang="ja-JP" sz="1800">
+                <a:latin typeface="Consolas" panose="020B0609020204030204" pitchFamily="49" charset="0"/>
+              </a:rPr>
+              <a:t>    </a:t>
+            </a:r>
+            <a:r>
+              <a:rPr lang="ja-JP" altLang="en-US" sz="1800">
+                <a:latin typeface="Consolas" panose="020B0609020204030204" pitchFamily="49" charset="0"/>
+              </a:rPr>
+              <a:t>└── </a:t>
+            </a:r>
+            <a:r>
+              <a:rPr lang="en-US" altLang="ja-JP" sz="1800">
+                <a:latin typeface="Consolas" panose="020B0609020204030204" pitchFamily="49" charset="0"/>
+              </a:rPr>
+              <a:t>task.json</a:t>
+            </a:r>
+            <a:r>
+              <a:rPr lang="ja-JP" altLang="en-US" sz="1800"/>
+              <a:t> </a:t>
+            </a:r>
+            <a:r>
+              <a:rPr lang="en-US" altLang="ja-JP" sz="1800"/>
+              <a:t># start (local server</a:t>
+            </a:r>
+            <a:r>
+              <a:rPr lang="ja-JP" altLang="en-US" sz="1800"/>
+              <a:t>起動に必要</a:t>
+            </a:r>
+            <a:r>
+              <a:rPr lang="en-US" altLang="ja-JP" sz="1800"/>
+              <a:t>)</a:t>
+            </a:r>
+          </a:p>
+          <a:p>
+            <a:pPr marL="0" indent="0">
+              <a:buNone/>
+            </a:pPr>
+            <a:r>
+              <a:rPr lang="ja-JP" altLang="en-US" sz="1800"/>
+              <a:t> </a:t>
+            </a:r>
+            <a:endParaRPr lang="en-US" altLang="ja-JP" sz="1800"/>
+          </a:p>
+          <a:p>
+            <a:pPr marL="0" indent="0">
+              <a:buNone/>
+            </a:pPr>
+            <a:r>
+              <a:rPr lang="ja-JP" altLang="en-US" sz="2400"/>
+              <a:t>詳細</a:t>
+            </a:r>
+            <a:r>
+              <a:rPr lang="en-US" altLang="ja-JP" sz="2400"/>
+              <a:t>: </a:t>
+            </a:r>
+            <a:br>
+              <a:rPr lang="en-US" altLang="ja-JP" sz="2400"/>
+            </a:br>
+            <a:r>
+              <a:rPr lang="en-US" altLang="ja-JP" sz="2400"/>
+              <a:t>comitt history: </a:t>
+            </a:r>
+            <a:r>
+              <a:rPr lang="fr-FR" altLang="ja-JP" sz="2400"/>
+              <a:t>add files for vscode debugging </a:t>
+            </a:r>
+            <a:br>
+              <a:rPr lang="fr-FR" altLang="ja-JP" sz="2400"/>
+            </a:br>
+            <a:r>
+              <a:rPr lang="fr-FR" altLang="ja-JP" sz="2400"/>
+              <a:t>(url: </a:t>
+            </a:r>
+            <a:r>
+              <a:rPr lang="fr-FR" altLang="ja-JP" sz="2400">
+                <a:hlinkClick r:id="rId2"/>
+              </a:rPr>
+              <a:t>http://bit.ly/2Wc3HWa</a:t>
+            </a:r>
+            <a:r>
+              <a:rPr lang="fr-FR" altLang="ja-JP" sz="2400"/>
+              <a:t> )</a:t>
+            </a:r>
+            <a:endParaRPr kumimoji="1" lang="ja-JP" altLang="en-US" sz="2400"/>
           </a:p>
         </p:txBody>
       </p:sp>
@@ -5408,7 +6663,7 @@
           <a:p>
             <a:fld id="{DCB067A0-9F37-461C-9B87-B0FB0567D76E}" type="slidenum">
               <a:rPr kumimoji="1" lang="ja-JP" altLang="en-US" smtClean="0"/>
-              <a:t>5</a:t>
+              <a:t>7</a:t>
             </a:fld>
             <a:endParaRPr kumimoji="1" lang="ja-JP" altLang="en-US"/>
           </a:p>
@@ -5981,4 +7236,24 @@
     </a:ext>
   </a:extLst>
 </a:theme>
+</file>
+
+<file path=ppt/webextensions/taskpanes.xml><?xml version="1.0" encoding="utf-8"?>
+<wetp:taskpanes xmlns:wetp="http://schemas.microsoft.com/office/webextensions/taskpanes/2010/11">
+  <wetp:taskpane dockstate="right" visibility="0" width="350" row="1">
+    <wetp:webextensionref xmlns:r="http://schemas.openxmlformats.org/officeDocument/2006/relationships" r:id="rId1"/>
+  </wetp:taskpane>
+</wetp:taskpanes>
+</file>
+
+<file path=ppt/webextensions/webextension1.xml><?xml version="1.0" encoding="utf-8"?>
+<we:webextension xmlns:we="http://schemas.microsoft.com/office/webextensions/webextension/2010/11" id="{DE2D190F-C2EC-4A14-A8D5-4F94AEB6773A}">
+  <we:reference id="wa104380121" version="2.0.0.0" store="ja-JP" storeType="OMEX"/>
+  <we:alternateReferences>
+    <we:reference id="wa104380121" version="2.0.0.0" store="WA104380121" storeType="OMEX"/>
+  </we:alternateReferences>
+  <we:properties/>
+  <we:bindings/>
+  <we:snapshot xmlns:r="http://schemas.openxmlformats.org/officeDocument/2006/relationships"/>
+</we:webextension>
 </file>
--- a/Presentation_20191026_react3.pptx
+++ b/Presentation_20191026_react3.pptx
@@ -5200,10 +5200,10 @@
       </p:grpSpPr>
       <p:pic>
         <p:nvPicPr>
-          <p:cNvPr id="9" name="図 8">
+          <p:cNvPr id="12" name="図 11">
             <a:extLst>
               <a:ext uri="{FF2B5EF4-FFF2-40B4-BE49-F238E27FC236}">
-                <a16:creationId xmlns:a16="http://schemas.microsoft.com/office/drawing/2014/main" id="{BA8242D5-4352-457A-B2FD-B8BD4E976C6C}"/>
+                <a16:creationId xmlns:a16="http://schemas.microsoft.com/office/drawing/2014/main" id="{8F67248D-595A-42C9-BA57-1B270D04EF9C}"/>
               </a:ext>
             </a:extLst>
           </p:cNvPr>
@@ -5220,8 +5220,8 @@
         </p:blipFill>
         <p:spPr>
           <a:xfrm>
-            <a:off x="1394557" y="1516185"/>
-            <a:ext cx="5959719" cy="5258858"/>
+            <a:off x="945651" y="1559253"/>
+            <a:ext cx="7252699" cy="4349083"/>
           </a:xfrm>
           <a:prstGeom prst="rect">
             <a:avLst/>
@@ -5370,7 +5370,7 @@
         </p:nvSpPr>
         <p:spPr>
           <a:xfrm>
-            <a:off x="1563077" y="2582984"/>
+            <a:off x="1617785" y="2383691"/>
             <a:ext cx="1539630" cy="398586"/>
           </a:xfrm>
           <a:prstGeom prst="wedgeRectCallout">
@@ -5421,7 +5421,7 @@
         </p:nvSpPr>
         <p:spPr>
           <a:xfrm>
-            <a:off x="5427785" y="2582984"/>
+            <a:off x="5568462" y="2383691"/>
             <a:ext cx="1539630" cy="398586"/>
           </a:xfrm>
           <a:prstGeom prst="wedgeRectCallout">
@@ -5472,13 +5472,13 @@
         </p:nvSpPr>
         <p:spPr>
           <a:xfrm>
-            <a:off x="3372339" y="3946321"/>
+            <a:off x="2688493" y="3493136"/>
             <a:ext cx="1539630" cy="398586"/>
           </a:xfrm>
           <a:prstGeom prst="wedgeRectCallout">
             <a:avLst>
-              <a:gd name="adj1" fmla="val -106112"/>
-              <a:gd name="adj2" fmla="val 31128"/>
+              <a:gd name="adj1" fmla="val -96975"/>
+              <a:gd name="adj2" fmla="val -25734"/>
             </a:avLst>
           </a:prstGeom>
         </p:spPr>
@@ -5519,13 +5519,13 @@
         </p:nvSpPr>
         <p:spPr>
           <a:xfrm>
-            <a:off x="3266831" y="3946320"/>
-            <a:ext cx="1969477" cy="727279"/>
+            <a:off x="2688493" y="3493136"/>
+            <a:ext cx="4888523" cy="1042577"/>
           </a:xfrm>
           <a:prstGeom prst="wedgeRectCallout">
             <a:avLst>
-              <a:gd name="adj1" fmla="val -93984"/>
-              <a:gd name="adj2" fmla="val 90975"/>
+              <a:gd name="adj1" fmla="val -66006"/>
+              <a:gd name="adj2" fmla="val 28756"/>
             </a:avLst>
           </a:prstGeom>
         </p:spPr>
@@ -5544,10 +5544,9 @@
           </a:fontRef>
         </p:style>
         <p:txBody>
-          <a:bodyPr rtlCol="0" anchor="ctr"/>
-          <a:lstStyle/>
-          <a:p>
-            <a:pPr algn="ctr"/>
+          <a:bodyPr rtlCol="0" anchor="t"/>
+          <a:lstStyle/>
+          <a:p>
             <a:r>
               <a:rPr kumimoji="1" lang="ja-JP" altLang="en-US" sz="1600"/>
               <a:t>この</a:t>
@@ -5563,6 +5562,59 @@
             <a:r>
               <a:rPr kumimoji="1" lang="en-US" altLang="ja-JP" sz="1600"/>
               <a:t>!</a:t>
+            </a:r>
+            <a:br>
+              <a:rPr kumimoji="1" lang="en-US" altLang="ja-JP" sz="1600"/>
+            </a:br>
+            <a:r>
+              <a:rPr kumimoji="1" lang="ja-JP" altLang="en-US" sz="1600"/>
+              <a:t>　</a:t>
+            </a:r>
+            <a:r>
+              <a:rPr kumimoji="1" lang="en-US" altLang="ja-JP" sz="1600"/>
+              <a:t>config</a:t>
+            </a:r>
+            <a:r>
+              <a:rPr kumimoji="1" lang="ja-JP" altLang="en-US" sz="1600"/>
+              <a:t>・・・コード変換などの</a:t>
+            </a:r>
+            <a:r>
+              <a:rPr kumimoji="1" lang="en-US" altLang="ja-JP" sz="1600"/>
+              <a:t>config</a:t>
+            </a:r>
+            <a:r>
+              <a:rPr kumimoji="1" lang="ja-JP" altLang="en-US" sz="1600"/>
+              <a:t>設定が記載　</a:t>
+            </a:r>
+            <a:br>
+              <a:rPr kumimoji="1" lang="en-US" altLang="ja-JP" sz="1600"/>
+            </a:br>
+            <a:r>
+              <a:rPr kumimoji="1" lang="ja-JP" altLang="en-US" sz="1600"/>
+              <a:t>　</a:t>
+            </a:r>
+            <a:r>
+              <a:rPr kumimoji="1" lang="en-US" altLang="ja-JP" sz="1600"/>
+              <a:t>scripts</a:t>
+            </a:r>
+            <a:r>
+              <a:rPr kumimoji="1" lang="ja-JP" altLang="en-US" sz="1600"/>
+              <a:t>・・・</a:t>
+            </a:r>
+            <a:r>
+              <a:rPr kumimoji="1" lang="en-US" altLang="ja-JP" sz="1600"/>
+              <a:t>npm run</a:t>
+            </a:r>
+            <a:r>
+              <a:rPr kumimoji="1" lang="ja-JP" altLang="en-US" sz="1600"/>
+              <a:t>の詳細内容が記載</a:t>
+            </a:r>
+            <a:br>
+              <a:rPr kumimoji="1" lang="en-US" altLang="ja-JP" sz="1600"/>
+            </a:br>
+            <a:r>
+              <a:rPr kumimoji="1" lang="ja-JP" altLang="en-US" sz="1600"/>
+              <a:t>　</a:t>
             </a:r>
             <a:endParaRPr kumimoji="1" lang="ja-JP" altLang="en-US"/>
           </a:p>
